--- a/note/Figures/Fingerprinting System.pptx
+++ b/note/Figures/Fingerprinting System.pptx
@@ -3589,7 +3589,7 @@
           <p:spPr>
             <a:xfrm>
               <a:off x="2234526" y="3091240"/>
-              <a:ext cx="2296591" cy="1197503"/>
+              <a:ext cx="2296591" cy="1314514"/>
             </a:xfrm>
             <a:prstGeom prst="flowChartAlternateProcess">
               <a:avLst/>
@@ -10468,6 +10468,54 @@
           </p:txBody>
         </p:sp>
       </p:grpSp>
+      <p:sp>
+        <p:nvSpPr>
+          <p:cNvPr id="2" name="Rectangle 1">
+            <a:extLst>
+              <a:ext uri="{FF2B5EF4-FFF2-40B4-BE49-F238E27FC236}">
+                <a16:creationId xmlns:a16="http://schemas.microsoft.com/office/drawing/2014/main" id="{61F8B65B-FC9F-A1B6-783D-0054F4AAD098}"/>
+              </a:ext>
+            </a:extLst>
+          </p:cNvPr>
+          <p:cNvSpPr/>
+          <p:nvPr/>
+        </p:nvSpPr>
+        <p:spPr>
+          <a:xfrm>
+            <a:off x="11065276" y="4237383"/>
+            <a:ext cx="876890" cy="201447"/>
+          </a:xfrm>
+          <a:prstGeom prst="rect">
+            <a:avLst/>
+          </a:prstGeom>
+        </p:spPr>
+        <p:style>
+          <a:lnRef idx="2">
+            <a:schemeClr val="dk1"/>
+          </a:lnRef>
+          <a:fillRef idx="1">
+            <a:schemeClr val="lt1"/>
+          </a:fillRef>
+          <a:effectRef idx="0">
+            <a:schemeClr val="dk1"/>
+          </a:effectRef>
+          <a:fontRef idx="minor">
+            <a:schemeClr val="dk1"/>
+          </a:fontRef>
+        </p:style>
+        <p:txBody>
+          <a:bodyPr rtlCol="0" anchor="ctr"/>
+          <a:lstStyle/>
+          <a:p>
+            <a:pPr algn="ctr"/>
+            <a:r>
+              <a:rPr lang="en-US" altLang="zh-CN" sz="1200" dirty="0"/>
+              <a:t>IMG-Based</a:t>
+            </a:r>
+            <a:endParaRPr lang="en-US" sz="1200" dirty="0"/>
+          </a:p>
+        </p:txBody>
+      </p:sp>
     </p:spTree>
     <p:extLst>
       <p:ext uri="{BB962C8B-B14F-4D97-AF65-F5344CB8AC3E}">
